--- a/output_images/Matrix Sparsification Presentation.pptx
+++ b/output_images/Matrix Sparsification Presentation.pptx
@@ -9,8 +9,8 @@
   </p:notesMasterIdLst>
   <p:sldIdLst>
     <p:sldId id="256" r:id="rId2"/>
-    <p:sldId id="257" r:id="rId3"/>
-    <p:sldId id="258" r:id="rId4"/>
+    <p:sldId id="258" r:id="rId3"/>
+    <p:sldId id="257" r:id="rId4"/>
     <p:sldId id="260" r:id="rId5"/>
     <p:sldId id="261" r:id="rId6"/>
     <p:sldId id="262" r:id="rId7"/>
@@ -768,8 +768,8 @@
         </p:nvSpPr>
         <p:spPr>
           <a:xfrm>
-            <a:off x="381300" y="685800"/>
-            <a:ext cx="6096075" cy="3429000"/>
+            <a:off x="381000" y="685800"/>
+            <a:ext cx="6096000" cy="3429000"/>
           </a:xfrm>
           <a:custGeom>
             <a:avLst/>
@@ -1264,6 +1264,110 @@
   <p:cSld>
     <p:spTree>
       <p:nvGrpSpPr>
+        <p:cNvPr id="1" name="Shape 142"/>
+        <p:cNvGrpSpPr/>
+        <p:nvPr/>
+      </p:nvGrpSpPr>
+      <p:grpSpPr>
+        <a:xfrm>
+          <a:off x="0" y="0"/>
+          <a:ext cx="0" cy="0"/>
+          <a:chOff x="0" y="0"/>
+          <a:chExt cx="0" cy="0"/>
+        </a:xfrm>
+      </p:grpSpPr>
+      <p:sp>
+        <p:nvSpPr>
+          <p:cNvPr id="143" name="Google Shape;143;g75972726d6_0_0:notes"/>
+          <p:cNvSpPr>
+            <a:spLocks noGrp="1" noRot="1" noChangeAspect="1"/>
+          </p:cNvSpPr>
+          <p:nvPr>
+            <p:ph type="sldImg" idx="2"/>
+          </p:nvPr>
+        </p:nvSpPr>
+        <p:spPr>
+          <a:xfrm>
+            <a:off x="381000" y="685800"/>
+            <a:ext cx="6096000" cy="3429000"/>
+          </a:xfrm>
+          <a:custGeom>
+            <a:avLst/>
+            <a:gdLst/>
+            <a:ahLst/>
+            <a:cxnLst/>
+            <a:rect l="l" t="t" r="r" b="b"/>
+            <a:pathLst>
+              <a:path w="120000" h="120000" extrusionOk="0">
+                <a:moveTo>
+                  <a:pt x="0" y="0"/>
+                </a:moveTo>
+                <a:lnTo>
+                  <a:pt x="120000" y="0"/>
+                </a:lnTo>
+                <a:lnTo>
+                  <a:pt x="120000" y="120000"/>
+                </a:lnTo>
+                <a:lnTo>
+                  <a:pt x="0" y="120000"/>
+                </a:lnTo>
+                <a:close/>
+              </a:path>
+            </a:pathLst>
+          </a:custGeom>
+        </p:spPr>
+      </p:sp>
+      <p:sp>
+        <p:nvSpPr>
+          <p:cNvPr id="144" name="Google Shape;144;g75972726d6_0_0:notes"/>
+          <p:cNvSpPr txBox="1">
+            <a:spLocks noGrp="1"/>
+          </p:cNvSpPr>
+          <p:nvPr>
+            <p:ph type="body" idx="1"/>
+          </p:nvPr>
+        </p:nvSpPr>
+        <p:spPr>
+          <a:xfrm>
+            <a:off x="685800" y="4343400"/>
+            <a:ext cx="5486400" cy="4114800"/>
+          </a:xfrm>
+          <a:prstGeom prst="rect">
+            <a:avLst/>
+          </a:prstGeom>
+        </p:spPr>
+        <p:txBody>
+          <a:bodyPr spcFirstLastPara="1" wrap="square" lIns="91425" tIns="91425" rIns="91425" bIns="91425" anchor="t" anchorCtr="0">
+            <a:noAutofit/>
+          </a:bodyPr>
+          <a:lstStyle/>
+          <a:p>
+            <a:pPr marL="0" lvl="0" indent="0" algn="l" rtl="0">
+              <a:spcBef>
+                <a:spcPts val="0"/>
+              </a:spcBef>
+              <a:spcAft>
+                <a:spcPts val="0"/>
+              </a:spcAft>
+              <a:buNone/>
+            </a:pPr>
+            <a:endParaRPr dirty="0"/>
+          </a:p>
+        </p:txBody>
+      </p:sp>
+    </p:spTree>
+  </p:cSld>
+  <p:clrMapOvr>
+    <a:masterClrMapping/>
+  </p:clrMapOvr>
+</p:notes>
+</file>
+
+<file path=ppt/notesSlides/notesSlide3.xml><?xml version="1.0" encoding="utf-8"?>
+<p:notes xmlns:a="http://schemas.openxmlformats.org/drawingml/2006/main" xmlns:r="http://schemas.openxmlformats.org/officeDocument/2006/relationships" xmlns:p="http://schemas.openxmlformats.org/presentationml/2006/main" showMasterSp="0" showMasterPhAnim="0">
+  <p:cSld>
+    <p:spTree>
+      <p:nvGrpSpPr>
         <p:cNvPr id="1" name="Shape 136"/>
         <p:cNvGrpSpPr/>
         <p:nvPr/>
@@ -1320,110 +1424,6 @@
       <p:sp>
         <p:nvSpPr>
           <p:cNvPr id="138" name="Google Shape;138;g75972726d6_0_5:notes"/>
-          <p:cNvSpPr txBox="1">
-            <a:spLocks noGrp="1"/>
-          </p:cNvSpPr>
-          <p:nvPr>
-            <p:ph type="body" idx="1"/>
-          </p:nvPr>
-        </p:nvSpPr>
-        <p:spPr>
-          <a:xfrm>
-            <a:off x="685800" y="4343400"/>
-            <a:ext cx="5486400" cy="4114800"/>
-          </a:xfrm>
-          <a:prstGeom prst="rect">
-            <a:avLst/>
-          </a:prstGeom>
-        </p:spPr>
-        <p:txBody>
-          <a:bodyPr spcFirstLastPara="1" wrap="square" lIns="91425" tIns="91425" rIns="91425" bIns="91425" anchor="t" anchorCtr="0">
-            <a:noAutofit/>
-          </a:bodyPr>
-          <a:lstStyle/>
-          <a:p>
-            <a:pPr marL="0" lvl="0" indent="0" algn="l" rtl="0">
-              <a:spcBef>
-                <a:spcPts val="0"/>
-              </a:spcBef>
-              <a:spcAft>
-                <a:spcPts val="0"/>
-              </a:spcAft>
-              <a:buNone/>
-            </a:pPr>
-            <a:endParaRPr dirty="0"/>
-          </a:p>
-        </p:txBody>
-      </p:sp>
-    </p:spTree>
-  </p:cSld>
-  <p:clrMapOvr>
-    <a:masterClrMapping/>
-  </p:clrMapOvr>
-</p:notes>
-</file>
-
-<file path=ppt/notesSlides/notesSlide3.xml><?xml version="1.0" encoding="utf-8"?>
-<p:notes xmlns:a="http://schemas.openxmlformats.org/drawingml/2006/main" xmlns:r="http://schemas.openxmlformats.org/officeDocument/2006/relationships" xmlns:p="http://schemas.openxmlformats.org/presentationml/2006/main" showMasterSp="0" showMasterPhAnim="0">
-  <p:cSld>
-    <p:spTree>
-      <p:nvGrpSpPr>
-        <p:cNvPr id="1" name="Shape 142"/>
-        <p:cNvGrpSpPr/>
-        <p:nvPr/>
-      </p:nvGrpSpPr>
-      <p:grpSpPr>
-        <a:xfrm>
-          <a:off x="0" y="0"/>
-          <a:ext cx="0" cy="0"/>
-          <a:chOff x="0" y="0"/>
-          <a:chExt cx="0" cy="0"/>
-        </a:xfrm>
-      </p:grpSpPr>
-      <p:sp>
-        <p:nvSpPr>
-          <p:cNvPr id="143" name="Google Shape;143;g75972726d6_0_0:notes"/>
-          <p:cNvSpPr>
-            <a:spLocks noGrp="1" noRot="1" noChangeAspect="1"/>
-          </p:cNvSpPr>
-          <p:nvPr>
-            <p:ph type="sldImg" idx="2"/>
-          </p:nvPr>
-        </p:nvSpPr>
-        <p:spPr>
-          <a:xfrm>
-            <a:off x="381300" y="685800"/>
-            <a:ext cx="6096000" cy="3429000"/>
-          </a:xfrm>
-          <a:custGeom>
-            <a:avLst/>
-            <a:gdLst/>
-            <a:ahLst/>
-            <a:cxnLst/>
-            <a:rect l="l" t="t" r="r" b="b"/>
-            <a:pathLst>
-              <a:path w="120000" h="120000" extrusionOk="0">
-                <a:moveTo>
-                  <a:pt x="0" y="0"/>
-                </a:moveTo>
-                <a:lnTo>
-                  <a:pt x="120000" y="0"/>
-                </a:lnTo>
-                <a:lnTo>
-                  <a:pt x="120000" y="120000"/>
-                </a:lnTo>
-                <a:lnTo>
-                  <a:pt x="0" y="120000"/>
-                </a:lnTo>
-                <a:close/>
-              </a:path>
-            </a:pathLst>
-          </a:custGeom>
-        </p:spPr>
-      </p:sp>
-      <p:sp>
-        <p:nvSpPr>
-          <p:cNvPr id="144" name="Google Shape;144;g75972726d6_0_0:notes"/>
           <p:cNvSpPr txBox="1">
             <a:spLocks noGrp="1"/>
           </p:cNvSpPr>
@@ -10265,6 +10265,55 @@
           </a:p>
         </p:txBody>
       </p:sp>
+      <p:sp>
+        <p:nvSpPr>
+          <p:cNvPr id="2" name="TextBox 1">
+            <a:extLst>
+              <a:ext uri="{FF2B5EF4-FFF2-40B4-BE49-F238E27FC236}">
+                <a16:creationId xmlns:a16="http://schemas.microsoft.com/office/drawing/2014/main" id="{09683FC8-7F18-42DC-8669-8D25B8745B71}"/>
+              </a:ext>
+            </a:extLst>
+          </p:cNvPr>
+          <p:cNvSpPr txBox="1"/>
+          <p:nvPr/>
+        </p:nvSpPr>
+        <p:spPr>
+          <a:xfrm>
+            <a:off x="7571512" y="4336625"/>
+            <a:ext cx="1451038" cy="523220"/>
+          </a:xfrm>
+          <a:prstGeom prst="rect">
+            <a:avLst/>
+          </a:prstGeom>
+          <a:noFill/>
+        </p:spPr>
+        <p:txBody>
+          <a:bodyPr wrap="none" rtlCol="0">
+            <a:spAutoFit/>
+          </a:bodyPr>
+          <a:lstStyle/>
+          <a:p>
+            <a:r>
+              <a:rPr lang="en-US" dirty="0">
+                <a:solidFill>
+                  <a:schemeClr val="bg1"/>
+                </a:solidFill>
+              </a:rPr>
+              <a:t>James Milne</a:t>
+            </a:r>
+          </a:p>
+          <a:p>
+            <a:r>
+              <a:rPr lang="en-US" dirty="0">
+                <a:solidFill>
+                  <a:schemeClr val="bg1"/>
+                </a:solidFill>
+              </a:rPr>
+              <a:t>Nicholas Kwock</a:t>
+            </a:r>
+          </a:p>
+        </p:txBody>
+      </p:sp>
     </p:spTree>
   </p:cSld>
   <p:clrMapOvr>
@@ -10509,8 +10558,8 @@
           </a:p>
         </p:txBody>
       </p:sp>
-      <mc:AlternateContent xmlns:mc="http://schemas.openxmlformats.org/markup-compatibility/2006">
-        <mc:Choice xmlns:a14="http://schemas.microsoft.com/office/drawing/2010/main" Requires="a14">
+      <mc:AlternateContent xmlns:mc="http://schemas.openxmlformats.org/markup-compatibility/2006" xmlns:a14="http://schemas.microsoft.com/office/drawing/2010/main">
+        <mc:Choice Requires="a14">
           <p:sp>
             <p:nvSpPr>
               <p:cNvPr id="2" name="TextBox 1">
@@ -10539,6 +10588,7 @@
               </a:bodyPr>
               <a:lstStyle/>
               <a:p>
+                <a:pPr/>
                 <a14:m>
                   <m:oMathPara xmlns:m="http://schemas.openxmlformats.org/officeDocument/2006/math">
                     <m:oMathParaPr>
@@ -10719,7 +10769,7 @@
             </p:txBody>
           </p:sp>
         </mc:Choice>
-        <mc:Fallback>
+        <mc:Fallback xmlns="">
           <p:sp>
             <p:nvSpPr>
               <p:cNvPr id="2" name="TextBox 1">
@@ -10764,8 +10814,8 @@
           </p:sp>
         </mc:Fallback>
       </mc:AlternateContent>
-      <mc:AlternateContent xmlns:mc="http://schemas.openxmlformats.org/markup-compatibility/2006">
-        <mc:Choice xmlns:a14="http://schemas.microsoft.com/office/drawing/2010/main" Requires="a14">
+      <mc:AlternateContent xmlns:mc="http://schemas.openxmlformats.org/markup-compatibility/2006" xmlns:a14="http://schemas.microsoft.com/office/drawing/2010/main">
+        <mc:Choice Requires="a14">
           <p:sp>
             <p:nvSpPr>
               <p:cNvPr id="17" name="TextBox 16">
@@ -11067,7 +11117,7 @@
             </p:txBody>
           </p:sp>
         </mc:Choice>
-        <mc:Fallback>
+        <mc:Fallback xmlns="">
           <p:sp>
             <p:nvSpPr>
               <p:cNvPr id="17" name="TextBox 16">
@@ -11137,8 +11187,8 @@
           <a:chExt cx="0" cy="0"/>
         </a:xfrm>
       </p:grpSpPr>
-      <mc:AlternateContent xmlns:mc="http://schemas.openxmlformats.org/markup-compatibility/2006">
-        <mc:Choice xmlns:a14="http://schemas.microsoft.com/office/drawing/2010/main" Requires="a14">
+      <mc:AlternateContent xmlns:mc="http://schemas.openxmlformats.org/markup-compatibility/2006" xmlns:a14="http://schemas.microsoft.com/office/drawing/2010/main">
+        <mc:Choice Requires="a14">
           <p:sp>
             <p:nvSpPr>
               <p:cNvPr id="2" name="TextBox 1">
@@ -11167,6 +11217,7 @@
               </a:bodyPr>
               <a:lstStyle/>
               <a:p>
+                <a:pPr/>
                 <a14:m>
                   <m:oMathPara xmlns:m="http://schemas.openxmlformats.org/officeDocument/2006/math">
                     <m:oMathParaPr>
@@ -11875,7 +11926,7 @@
             </p:txBody>
           </p:sp>
         </mc:Choice>
-        <mc:Fallback>
+        <mc:Fallback xmlns="">
           <p:sp>
             <p:nvSpPr>
               <p:cNvPr id="2" name="TextBox 1">
@@ -11962,8 +12013,8 @@
           </a:p>
         </p:txBody>
       </p:sp>
-      <mc:AlternateContent xmlns:mc="http://schemas.openxmlformats.org/markup-compatibility/2006">
-        <mc:Choice xmlns:a14="http://schemas.microsoft.com/office/drawing/2010/main" Requires="a14">
+      <mc:AlternateContent xmlns:mc="http://schemas.openxmlformats.org/markup-compatibility/2006" xmlns:a14="http://schemas.microsoft.com/office/drawing/2010/main">
+        <mc:Choice Requires="a14">
           <p:sp>
             <p:nvSpPr>
               <p:cNvPr id="3" name="TextBox 2">
@@ -11992,6 +12043,7 @@
               </a:bodyPr>
               <a:lstStyle/>
               <a:p>
+                <a:pPr/>
                 <a14:m>
                   <m:oMathPara xmlns:m="http://schemas.openxmlformats.org/officeDocument/2006/math">
                     <m:oMathParaPr>
@@ -12428,7 +12480,7 @@
             </p:txBody>
           </p:sp>
         </mc:Choice>
-        <mc:Fallback>
+        <mc:Fallback xmlns="">
           <p:sp>
             <p:nvSpPr>
               <p:cNvPr id="3" name="TextBox 2">
@@ -12473,8 +12525,8 @@
           </p:sp>
         </mc:Fallback>
       </mc:AlternateContent>
-      <mc:AlternateContent xmlns:mc="http://schemas.openxmlformats.org/markup-compatibility/2006">
-        <mc:Choice xmlns:a14="http://schemas.microsoft.com/office/drawing/2010/main" Requires="a14">
+      <mc:AlternateContent xmlns:mc="http://schemas.openxmlformats.org/markup-compatibility/2006" xmlns:a14="http://schemas.microsoft.com/office/drawing/2010/main">
+        <mc:Choice Requires="a14">
           <p:sp>
             <p:nvSpPr>
               <p:cNvPr id="4" name="TextBox 3">
@@ -12503,6 +12555,7 @@
               </a:bodyPr>
               <a:lstStyle/>
               <a:p>
+                <a:pPr/>
                 <a14:m>
                   <m:oMathPara xmlns:m="http://schemas.openxmlformats.org/officeDocument/2006/math">
                     <m:oMathParaPr>
@@ -13603,7 +13656,7 @@
             </p:txBody>
           </p:sp>
         </mc:Choice>
-        <mc:Fallback>
+        <mc:Fallback xmlns="">
           <p:sp>
             <p:nvSpPr>
               <p:cNvPr id="4" name="TextBox 3">
@@ -13680,8 +13733,8 @@
           </a:p>
         </p:txBody>
       </p:sp>
-      <mc:AlternateContent xmlns:mc="http://schemas.openxmlformats.org/markup-compatibility/2006">
-        <mc:Choice xmlns:a14="http://schemas.microsoft.com/office/drawing/2010/main" Requires="a14">
+      <mc:AlternateContent xmlns:mc="http://schemas.openxmlformats.org/markup-compatibility/2006" xmlns:a14="http://schemas.microsoft.com/office/drawing/2010/main">
+        <mc:Choice Requires="a14">
           <p:sp>
             <p:nvSpPr>
               <p:cNvPr id="16" name="TextBox 15">
@@ -13942,7 +13995,7 @@
             </p:txBody>
           </p:sp>
         </mc:Choice>
-        <mc:Fallback>
+        <mc:Fallback xmlns="">
           <p:sp>
             <p:nvSpPr>
               <p:cNvPr id="16" name="TextBox 15">
@@ -13987,8 +14040,8 @@
           </p:sp>
         </mc:Fallback>
       </mc:AlternateContent>
-      <mc:AlternateContent xmlns:mc="http://schemas.openxmlformats.org/markup-compatibility/2006">
-        <mc:Choice xmlns:a14="http://schemas.microsoft.com/office/drawing/2010/main" Requires="a14">
+      <mc:AlternateContent xmlns:mc="http://schemas.openxmlformats.org/markup-compatibility/2006" xmlns:a14="http://schemas.microsoft.com/office/drawing/2010/main">
+        <mc:Choice Requires="a14">
           <p:sp>
             <p:nvSpPr>
               <p:cNvPr id="17" name="TextBox 16">
@@ -14017,6 +14070,7 @@
               </a:bodyPr>
               <a:lstStyle/>
               <a:p>
+                <a:pPr/>
                 <a14:m>
                   <m:oMathPara xmlns:m="http://schemas.openxmlformats.org/officeDocument/2006/math">
                     <m:oMathParaPr>
@@ -14197,7 +14251,7 @@
             </p:txBody>
           </p:sp>
         </mc:Choice>
-        <mc:Fallback>
+        <mc:Fallback xmlns="">
           <p:sp>
             <p:nvSpPr>
               <p:cNvPr id="17" name="TextBox 16">
@@ -14354,8 +14408,8 @@
           </a:p>
         </p:txBody>
       </p:sp>
-      <mc:AlternateContent xmlns:mc="http://schemas.openxmlformats.org/markup-compatibility/2006">
-        <mc:Choice xmlns:a14="http://schemas.microsoft.com/office/drawing/2010/main" Requires="a14">
+      <mc:AlternateContent xmlns:mc="http://schemas.openxmlformats.org/markup-compatibility/2006" xmlns:a14="http://schemas.microsoft.com/office/drawing/2010/main">
+        <mc:Choice Requires="a14">
           <p:sp>
             <p:nvSpPr>
               <p:cNvPr id="5" name="TextBox 4">
@@ -14384,7 +14438,6 @@
               </a:bodyPr>
               <a:lstStyle/>
               <a:p>
-                <a:pPr/>
                 <a14:m>
                   <m:oMath xmlns:m="http://schemas.openxmlformats.org/officeDocument/2006/math">
                     <m:r>
@@ -14675,7 +14728,7 @@
             </p:txBody>
           </p:sp>
         </mc:Choice>
-        <mc:Fallback>
+        <mc:Fallback xmlns="">
           <p:sp>
             <p:nvSpPr>
               <p:cNvPr id="5" name="TextBox 4">
@@ -14720,8 +14773,8 @@
           </p:sp>
         </mc:Fallback>
       </mc:AlternateContent>
-      <mc:AlternateContent xmlns:mc="http://schemas.openxmlformats.org/markup-compatibility/2006">
-        <mc:Choice xmlns:a14="http://schemas.microsoft.com/office/drawing/2010/main" Requires="a14">
+      <mc:AlternateContent xmlns:mc="http://schemas.openxmlformats.org/markup-compatibility/2006" xmlns:a14="http://schemas.microsoft.com/office/drawing/2010/main">
+        <mc:Choice Requires="a14">
           <p:sp>
             <p:nvSpPr>
               <p:cNvPr id="3" name="TextBox 2">
@@ -14750,6 +14803,7 @@
               </a:bodyPr>
               <a:lstStyle/>
               <a:p>
+                <a:pPr/>
                 <a14:m>
                   <m:oMathPara xmlns:m="http://schemas.openxmlformats.org/officeDocument/2006/math">
                     <m:oMathParaPr>
@@ -14956,7 +15010,7 @@
             </p:txBody>
           </p:sp>
         </mc:Choice>
-        <mc:Fallback>
+        <mc:Fallback xmlns="">
           <p:sp>
             <p:nvSpPr>
               <p:cNvPr id="3" name="TextBox 2">
@@ -15001,8 +15055,8 @@
           </p:sp>
         </mc:Fallback>
       </mc:AlternateContent>
-      <mc:AlternateContent xmlns:mc="http://schemas.openxmlformats.org/markup-compatibility/2006">
-        <mc:Choice xmlns:a14="http://schemas.microsoft.com/office/drawing/2010/main" Requires="a14">
+      <mc:AlternateContent xmlns:mc="http://schemas.openxmlformats.org/markup-compatibility/2006" xmlns:a14="http://schemas.microsoft.com/office/drawing/2010/main">
+        <mc:Choice Requires="a14">
           <p:sp>
             <p:nvSpPr>
               <p:cNvPr id="6" name="TextBox 5">
@@ -15269,7 +15323,7 @@
             </p:txBody>
           </p:sp>
         </mc:Choice>
-        <mc:Fallback>
+        <mc:Fallback xmlns="">
           <p:sp>
             <p:nvSpPr>
               <p:cNvPr id="6" name="TextBox 5">
@@ -15314,8 +15368,8 @@
           </p:sp>
         </mc:Fallback>
       </mc:AlternateContent>
-      <mc:AlternateContent xmlns:mc="http://schemas.openxmlformats.org/markup-compatibility/2006">
-        <mc:Choice xmlns:a14="http://schemas.microsoft.com/office/drawing/2010/main" Requires="a14">
+      <mc:AlternateContent xmlns:mc="http://schemas.openxmlformats.org/markup-compatibility/2006" xmlns:a14="http://schemas.microsoft.com/office/drawing/2010/main">
+        <mc:Choice Requires="a14">
           <p:sp>
             <p:nvSpPr>
               <p:cNvPr id="9" name="TextBox 8">
@@ -15639,7 +15693,7 @@
             </p:txBody>
           </p:sp>
         </mc:Choice>
-        <mc:Fallback>
+        <mc:Fallback xmlns="">
           <p:sp>
             <p:nvSpPr>
               <p:cNvPr id="9" name="TextBox 8">
@@ -15833,8 +15887,8 @@
           </a:p>
         </p:txBody>
       </p:sp>
-      <mc:AlternateContent xmlns:mc="http://schemas.openxmlformats.org/markup-compatibility/2006">
-        <mc:Choice xmlns:a14="http://schemas.microsoft.com/office/drawing/2010/main" Requires="a14">
+      <mc:AlternateContent xmlns:mc="http://schemas.openxmlformats.org/markup-compatibility/2006" xmlns:a14="http://schemas.microsoft.com/office/drawing/2010/main">
+        <mc:Choice Requires="a14">
           <p:sp>
             <p:nvSpPr>
               <p:cNvPr id="4" name="Google Shape;226;p25">
@@ -16180,7 +16234,7 @@
             </p:txBody>
           </p:sp>
         </mc:Choice>
-        <mc:Fallback>
+        <mc:Fallback xmlns="">
           <p:sp>
             <p:nvSpPr>
               <p:cNvPr id="4" name="Google Shape;226;p25">
@@ -17001,8 +17055,8 @@
           </a:prstGeom>
         </p:spPr>
       </p:pic>
-      <mc:AlternateContent xmlns:mc="http://schemas.openxmlformats.org/markup-compatibility/2006">
-        <mc:Choice xmlns:a14="http://schemas.microsoft.com/office/drawing/2010/main" Requires="a14">
+      <mc:AlternateContent xmlns:mc="http://schemas.openxmlformats.org/markup-compatibility/2006" xmlns:a14="http://schemas.microsoft.com/office/drawing/2010/main">
+        <mc:Choice Requires="a14">
           <p:sp>
             <p:nvSpPr>
               <p:cNvPr id="8" name="Google Shape;226;p25">
@@ -17139,7 +17193,7 @@
             </p:txBody>
           </p:sp>
         </mc:Choice>
-        <mc:Fallback>
+        <mc:Fallback xmlns="">
           <p:sp>
             <p:nvSpPr>
               <p:cNvPr id="8" name="Google Shape;226;p25">
@@ -17166,6 +17220,267 @@
               </a:prstGeom>
               <a:blipFill>
                 <a:blip r:embed="rId5"/>
+                <a:stretch>
+                  <a:fillRect/>
+                </a:stretch>
+              </a:blipFill>
+            </p:spPr>
+            <p:txBody>
+              <a:bodyPr/>
+              <a:lstStyle/>
+              <a:p>
+                <a:r>
+                  <a:rPr lang="en-US">
+                    <a:noFill/>
+                  </a:rPr>
+                  <a:t> </a:t>
+                </a:r>
+              </a:p>
+            </p:txBody>
+          </p:sp>
+        </mc:Fallback>
+      </mc:AlternateContent>
+      <mc:AlternateContent xmlns:mc="http://schemas.openxmlformats.org/markup-compatibility/2006">
+        <mc:Choice xmlns:a14="http://schemas.microsoft.com/office/drawing/2010/main" Requires="a14">
+          <p:sp>
+            <p:nvSpPr>
+              <p:cNvPr id="3" name="Rectangle 2">
+                <a:extLst>
+                  <a:ext uri="{FF2B5EF4-FFF2-40B4-BE49-F238E27FC236}">
+                    <a16:creationId xmlns:a16="http://schemas.microsoft.com/office/drawing/2014/main" id="{8F0F0AB1-3C05-435C-A4CA-57E7F00142DE}"/>
+                  </a:ext>
+                </a:extLst>
+              </p:cNvPr>
+              <p:cNvSpPr/>
+              <p:nvPr/>
+            </p:nvSpPr>
+            <p:spPr>
+              <a:xfrm>
+                <a:off x="6727980" y="1271770"/>
+                <a:ext cx="1480189" cy="672813"/>
+              </a:xfrm>
+              <a:prstGeom prst="rect">
+                <a:avLst/>
+              </a:prstGeom>
+            </p:spPr>
+            <p:txBody>
+              <a:bodyPr wrap="square">
+                <a:spAutoFit/>
+              </a:bodyPr>
+              <a:lstStyle/>
+              <a:p>
+                <a14:m>
+                  <m:oMathPara xmlns:m="http://schemas.openxmlformats.org/officeDocument/2006/math">
+                    <m:oMathParaPr>
+                      <m:jc m:val="centerGroup"/>
+                    </m:oMathParaPr>
+                    <m:oMath xmlns:m="http://schemas.openxmlformats.org/officeDocument/2006/math">
+                      <m:f>
+                        <m:fPr>
+                          <m:ctrlPr>
+                            <a:rPr lang="el-GR" sz="1600" i="1" smtClean="0">
+                              <a:solidFill>
+                                <a:schemeClr val="bg1"/>
+                              </a:solidFill>
+                              <a:latin typeface="Cambria Math" panose="02040503050406030204" pitchFamily="18" charset="0"/>
+                            </a:rPr>
+                          </m:ctrlPr>
+                        </m:fPr>
+                        <m:num>
+                          <m:sSub>
+                            <m:sSubPr>
+                              <m:ctrlPr>
+                                <a:rPr lang="en-US" sz="1600" i="1">
+                                  <a:solidFill>
+                                    <a:schemeClr val="bg1"/>
+                                  </a:solidFill>
+                                  <a:latin typeface="Cambria Math" panose="02040503050406030204" pitchFamily="18" charset="0"/>
+                                </a:rPr>
+                              </m:ctrlPr>
+                            </m:sSubPr>
+                            <m:e>
+                              <m:d>
+                                <m:dPr>
+                                  <m:begChr m:val="‖"/>
+                                  <m:endChr m:val="‖"/>
+                                  <m:ctrlPr>
+                                    <a:rPr lang="en-US" sz="1600" i="1">
+                                      <a:solidFill>
+                                        <a:schemeClr val="bg1"/>
+                                      </a:solidFill>
+                                      <a:latin typeface="Cambria Math" panose="02040503050406030204" pitchFamily="18" charset="0"/>
+                                    </a:rPr>
+                                  </m:ctrlPr>
+                                </m:dPr>
+                                <m:e>
+                                  <m:r>
+                                    <a:rPr lang="en-US" sz="1600" i="1">
+                                      <a:solidFill>
+                                        <a:schemeClr val="bg1"/>
+                                      </a:solidFill>
+                                      <a:latin typeface="Cambria Math" panose="02040503050406030204" pitchFamily="18" charset="0"/>
+                                    </a:rPr>
+                                    <m:t>𝐴</m:t>
+                                  </m:r>
+                                  <m:r>
+                                    <a:rPr lang="en-US" sz="1600" i="1">
+                                      <a:solidFill>
+                                        <a:schemeClr val="bg1"/>
+                                      </a:solidFill>
+                                      <a:latin typeface="Cambria Math" panose="02040503050406030204" pitchFamily="18" charset="0"/>
+                                    </a:rPr>
+                                    <m:t>−</m:t>
+                                  </m:r>
+                                  <m:acc>
+                                    <m:accPr>
+                                      <m:chr m:val="̃"/>
+                                      <m:ctrlPr>
+                                        <a:rPr lang="en-US" sz="1600" i="1">
+                                          <a:solidFill>
+                                            <a:schemeClr val="bg1"/>
+                                          </a:solidFill>
+                                          <a:latin typeface="Cambria Math" panose="02040503050406030204" pitchFamily="18" charset="0"/>
+                                        </a:rPr>
+                                      </m:ctrlPr>
+                                    </m:accPr>
+                                    <m:e>
+                                      <m:r>
+                                        <a:rPr lang="en-US" sz="1600" i="1">
+                                          <a:solidFill>
+                                            <a:schemeClr val="bg1"/>
+                                          </a:solidFill>
+                                          <a:latin typeface="Cambria Math" panose="02040503050406030204" pitchFamily="18" charset="0"/>
+                                        </a:rPr>
+                                        <m:t>𝐴</m:t>
+                                      </m:r>
+                                    </m:e>
+                                  </m:acc>
+                                </m:e>
+                              </m:d>
+                            </m:e>
+                            <m:sub>
+                              <m:r>
+                                <a:rPr lang="en-US" sz="1600" i="1">
+                                  <a:solidFill>
+                                    <a:schemeClr val="bg1"/>
+                                  </a:solidFill>
+                                  <a:latin typeface="Cambria Math" panose="02040503050406030204" pitchFamily="18" charset="0"/>
+                                </a:rPr>
+                                <m:t>2</m:t>
+                              </m:r>
+                            </m:sub>
+                          </m:sSub>
+                        </m:num>
+                        <m:den>
+                          <m:sSub>
+                            <m:sSubPr>
+                              <m:ctrlPr>
+                                <a:rPr lang="en-US" sz="1600" i="1">
+                                  <a:solidFill>
+                                    <a:schemeClr val="bg1"/>
+                                  </a:solidFill>
+                                  <a:latin typeface="Cambria Math" panose="02040503050406030204" pitchFamily="18" charset="0"/>
+                                </a:rPr>
+                              </m:ctrlPr>
+                            </m:sSubPr>
+                            <m:e>
+                              <m:d>
+                                <m:dPr>
+                                  <m:begChr m:val="‖"/>
+                                  <m:endChr m:val="‖"/>
+                                  <m:ctrlPr>
+                                    <a:rPr lang="en-US" sz="1600" i="1">
+                                      <a:solidFill>
+                                        <a:schemeClr val="bg1"/>
+                                      </a:solidFill>
+                                      <a:latin typeface="Cambria Math" panose="02040503050406030204" pitchFamily="18" charset="0"/>
+                                    </a:rPr>
+                                  </m:ctrlPr>
+                                </m:dPr>
+                                <m:e>
+                                  <m:r>
+                                    <a:rPr lang="en-US" sz="1600" i="1">
+                                      <a:solidFill>
+                                        <a:schemeClr val="bg1"/>
+                                      </a:solidFill>
+                                      <a:latin typeface="Cambria Math" panose="02040503050406030204" pitchFamily="18" charset="0"/>
+                                    </a:rPr>
+                                    <m:t>𝐴</m:t>
+                                  </m:r>
+                                </m:e>
+                              </m:d>
+                            </m:e>
+                            <m:sub>
+                              <m:r>
+                                <a:rPr lang="en-US" sz="1600" i="1">
+                                  <a:solidFill>
+                                    <a:schemeClr val="bg1"/>
+                                  </a:solidFill>
+                                  <a:latin typeface="Cambria Math" panose="02040503050406030204" pitchFamily="18" charset="0"/>
+                                </a:rPr>
+                                <m:t>2</m:t>
+                              </m:r>
+                            </m:sub>
+                          </m:sSub>
+                        </m:den>
+                      </m:f>
+                      <m:r>
+                        <a:rPr lang="el-GR" sz="1600" i="1">
+                          <a:solidFill>
+                            <a:schemeClr val="bg1"/>
+                          </a:solidFill>
+                          <a:latin typeface="Cambria Math" panose="02040503050406030204" pitchFamily="18" charset="0"/>
+                          <a:ea typeface="Cambria Math" panose="02040503050406030204" pitchFamily="18" charset="0"/>
+                        </a:rPr>
+                        <m:t>≤</m:t>
+                      </m:r>
+                      <m:r>
+                        <a:rPr lang="el-GR" sz="1600" i="1">
+                          <a:solidFill>
+                            <a:schemeClr val="bg1"/>
+                          </a:solidFill>
+                          <a:latin typeface="Cambria Math" panose="02040503050406030204" pitchFamily="18" charset="0"/>
+                          <a:ea typeface="Cambria Math" panose="02040503050406030204" pitchFamily="18" charset="0"/>
+                        </a:rPr>
+                        <m:t>𝜀</m:t>
+                      </m:r>
+                    </m:oMath>
+                  </m:oMathPara>
+                </a14:m>
+                <a:endParaRPr lang="en-US" sz="1600" dirty="0">
+                  <a:solidFill>
+                    <a:schemeClr val="bg1"/>
+                  </a:solidFill>
+                </a:endParaRPr>
+              </a:p>
+            </p:txBody>
+          </p:sp>
+        </mc:Choice>
+        <mc:Fallback>
+          <p:sp>
+            <p:nvSpPr>
+              <p:cNvPr id="3" name="Rectangle 2">
+                <a:extLst>
+                  <a:ext uri="{FF2B5EF4-FFF2-40B4-BE49-F238E27FC236}">
+                    <a16:creationId xmlns:a16="http://schemas.microsoft.com/office/drawing/2014/main" id="{8F0F0AB1-3C05-435C-A4CA-57E7F00142DE}"/>
+                  </a:ext>
+                </a:extLst>
+              </p:cNvPr>
+              <p:cNvSpPr>
+                <a:spLocks noRot="1" noChangeAspect="1" noMove="1" noResize="1" noEditPoints="1" noAdjustHandles="1" noChangeArrowheads="1" noChangeShapeType="1" noTextEdit="1"/>
+              </p:cNvSpPr>
+              <p:nvPr/>
+            </p:nvSpPr>
+            <p:spPr>
+              <a:xfrm>
+                <a:off x="6727980" y="1271770"/>
+                <a:ext cx="1480189" cy="672813"/>
+              </a:xfrm>
+              <a:prstGeom prst="rect">
+                <a:avLst/>
+              </a:prstGeom>
+              <a:blipFill>
+                <a:blip r:embed="rId6"/>
                 <a:stretch>
                   <a:fillRect/>
                 </a:stretch>
@@ -17460,6 +17775,198 @@
   <p:cSld>
     <p:spTree>
       <p:nvGrpSpPr>
+        <p:cNvPr id="1" name="Shape 145"/>
+        <p:cNvGrpSpPr/>
+        <p:nvPr/>
+      </p:nvGrpSpPr>
+      <p:grpSpPr>
+        <a:xfrm>
+          <a:off x="0" y="0"/>
+          <a:ext cx="0" cy="0"/>
+          <a:chOff x="0" y="0"/>
+          <a:chExt cx="0" cy="0"/>
+        </a:xfrm>
+      </p:grpSpPr>
+      <p:sp>
+        <p:nvSpPr>
+          <p:cNvPr id="146" name="Google Shape;146;p15"/>
+          <p:cNvSpPr txBox="1">
+            <a:spLocks noGrp="1"/>
+          </p:cNvSpPr>
+          <p:nvPr>
+            <p:ph type="title"/>
+          </p:nvPr>
+        </p:nvSpPr>
+        <p:spPr>
+          <a:xfrm>
+            <a:off x="1297500" y="393750"/>
+            <a:ext cx="7038900" cy="914100"/>
+          </a:xfrm>
+          <a:prstGeom prst="rect">
+            <a:avLst/>
+          </a:prstGeom>
+        </p:spPr>
+        <p:txBody>
+          <a:bodyPr spcFirstLastPara="1" wrap="square" lIns="91425" tIns="91425" rIns="91425" bIns="91425" anchor="t" anchorCtr="0">
+            <a:noAutofit/>
+          </a:bodyPr>
+          <a:lstStyle/>
+          <a:p>
+            <a:pPr marL="0" lvl="0" indent="0" algn="l" rtl="0">
+              <a:spcBef>
+                <a:spcPts val="0"/>
+              </a:spcBef>
+              <a:spcAft>
+                <a:spcPts val="0"/>
+              </a:spcAft>
+              <a:buNone/>
+            </a:pPr>
+            <a:r>
+              <a:rPr lang="en"/>
+              <a:t>Information on the paper</a:t>
+            </a:r>
+            <a:endParaRPr dirty="0"/>
+          </a:p>
+        </p:txBody>
+      </p:sp>
+      <p:sp>
+        <p:nvSpPr>
+          <p:cNvPr id="147" name="Google Shape;147;p15"/>
+          <p:cNvSpPr txBox="1">
+            <a:spLocks noGrp="1"/>
+          </p:cNvSpPr>
+          <p:nvPr>
+            <p:ph type="body" idx="1"/>
+          </p:nvPr>
+        </p:nvSpPr>
+        <p:spPr>
+          <a:xfrm>
+            <a:off x="1297500" y="1567550"/>
+            <a:ext cx="7038900" cy="2911200"/>
+          </a:xfrm>
+          <a:prstGeom prst="rect">
+            <a:avLst/>
+          </a:prstGeom>
+        </p:spPr>
+        <p:txBody>
+          <a:bodyPr spcFirstLastPara="1" wrap="square" lIns="91425" tIns="91425" rIns="91425" bIns="91425" anchor="t" anchorCtr="0">
+            <a:noAutofit/>
+          </a:bodyPr>
+          <a:lstStyle/>
+          <a:p>
+            <a:pPr marL="457200" lvl="0" indent="-317500" algn="l" rtl="0">
+              <a:spcBef>
+                <a:spcPts val="0"/>
+              </a:spcBef>
+              <a:spcAft>
+                <a:spcPts val="0"/>
+              </a:spcAft>
+              <a:buSzPts val="1400"/>
+              <a:buChar char="●"/>
+            </a:pPr>
+            <a:r>
+              <a:rPr lang="en" sz="1400"/>
+              <a:t>Authors: Petros Drineas, Anastasios Zouzias</a:t>
+            </a:r>
+            <a:endParaRPr sz="1400" dirty="0"/>
+          </a:p>
+          <a:p>
+            <a:pPr marL="457200" lvl="0" indent="0" algn="l" rtl="0">
+              <a:spcBef>
+                <a:spcPts val="1600"/>
+              </a:spcBef>
+              <a:spcAft>
+                <a:spcPts val="0"/>
+              </a:spcAft>
+              <a:buNone/>
+            </a:pPr>
+            <a:endParaRPr sz="1400" dirty="0"/>
+          </a:p>
+          <a:p>
+            <a:pPr marL="457200" lvl="0" indent="-317500" algn="l" rtl="0">
+              <a:spcBef>
+                <a:spcPts val="1600"/>
+              </a:spcBef>
+              <a:spcAft>
+                <a:spcPts val="0"/>
+              </a:spcAft>
+              <a:buSzPts val="1400"/>
+              <a:buChar char="●"/>
+            </a:pPr>
+            <a:r>
+              <a:rPr lang="en" sz="1400"/>
+              <a:t>Published: March 15th, 2011</a:t>
+            </a:r>
+            <a:endParaRPr sz="1400" dirty="0"/>
+          </a:p>
+          <a:p>
+            <a:pPr marL="457200" lvl="0" indent="0" algn="l" rtl="0">
+              <a:spcBef>
+                <a:spcPts val="1600"/>
+              </a:spcBef>
+              <a:spcAft>
+                <a:spcPts val="0"/>
+              </a:spcAft>
+              <a:buNone/>
+            </a:pPr>
+            <a:endParaRPr sz="1400" dirty="0"/>
+          </a:p>
+          <a:p>
+            <a:pPr marL="457200" lvl="0" indent="-317500" algn="l" rtl="0">
+              <a:spcBef>
+                <a:spcPts val="1600"/>
+              </a:spcBef>
+              <a:spcAft>
+                <a:spcPts val="0"/>
+              </a:spcAft>
+              <a:buSzPts val="1400"/>
+              <a:buChar char="●"/>
+            </a:pPr>
+            <a:r>
+              <a:rPr lang="en" sz="1400"/>
+              <a:t>Venue of publication: Information Processing Letters</a:t>
+            </a:r>
+            <a:endParaRPr sz="1400" dirty="0"/>
+          </a:p>
+          <a:p>
+            <a:pPr marL="0" lvl="0" indent="0" algn="l" rtl="0">
+              <a:spcBef>
+                <a:spcPts val="1600"/>
+              </a:spcBef>
+              <a:spcAft>
+                <a:spcPts val="0"/>
+              </a:spcAft>
+              <a:buNone/>
+            </a:pPr>
+            <a:endParaRPr dirty="0"/>
+          </a:p>
+          <a:p>
+            <a:pPr marL="0" lvl="0" indent="0" algn="l" rtl="0">
+              <a:spcBef>
+                <a:spcPts val="1600"/>
+              </a:spcBef>
+              <a:spcAft>
+                <a:spcPts val="1600"/>
+              </a:spcAft>
+              <a:buNone/>
+            </a:pPr>
+            <a:endParaRPr dirty="0"/>
+          </a:p>
+        </p:txBody>
+      </p:sp>
+    </p:spTree>
+  </p:cSld>
+  <p:clrMapOvr>
+    <a:masterClrMapping/>
+  </p:clrMapOvr>
+</p:sld>
+</file>
+
+<file path=ppt/slides/slide3.xml><?xml version="1.0" encoding="utf-8"?>
+<p:sld xmlns:a="http://schemas.openxmlformats.org/drawingml/2006/main" xmlns:r="http://schemas.openxmlformats.org/officeDocument/2006/relationships" xmlns:p="http://schemas.openxmlformats.org/presentationml/2006/main">
+  <p:cSld>
+    <p:spTree>
+      <p:nvGrpSpPr>
         <p:cNvPr id="1" name="Shape 139"/>
         <p:cNvGrpSpPr/>
         <p:nvPr/>
@@ -17653,198 +18160,6 @@
               <a:t>Matrix completion problems</a:t>
             </a:r>
             <a:endParaRPr sz="1400" dirty="0"/>
-          </a:p>
-        </p:txBody>
-      </p:sp>
-    </p:spTree>
-  </p:cSld>
-  <p:clrMapOvr>
-    <a:masterClrMapping/>
-  </p:clrMapOvr>
-</p:sld>
-</file>
-
-<file path=ppt/slides/slide3.xml><?xml version="1.0" encoding="utf-8"?>
-<p:sld xmlns:a="http://schemas.openxmlformats.org/drawingml/2006/main" xmlns:r="http://schemas.openxmlformats.org/officeDocument/2006/relationships" xmlns:p="http://schemas.openxmlformats.org/presentationml/2006/main">
-  <p:cSld>
-    <p:spTree>
-      <p:nvGrpSpPr>
-        <p:cNvPr id="1" name="Shape 145"/>
-        <p:cNvGrpSpPr/>
-        <p:nvPr/>
-      </p:nvGrpSpPr>
-      <p:grpSpPr>
-        <a:xfrm>
-          <a:off x="0" y="0"/>
-          <a:ext cx="0" cy="0"/>
-          <a:chOff x="0" y="0"/>
-          <a:chExt cx="0" cy="0"/>
-        </a:xfrm>
-      </p:grpSpPr>
-      <p:sp>
-        <p:nvSpPr>
-          <p:cNvPr id="146" name="Google Shape;146;p15"/>
-          <p:cNvSpPr txBox="1">
-            <a:spLocks noGrp="1"/>
-          </p:cNvSpPr>
-          <p:nvPr>
-            <p:ph type="title"/>
-          </p:nvPr>
-        </p:nvSpPr>
-        <p:spPr>
-          <a:xfrm>
-            <a:off x="1297500" y="393750"/>
-            <a:ext cx="7038900" cy="914100"/>
-          </a:xfrm>
-          <a:prstGeom prst="rect">
-            <a:avLst/>
-          </a:prstGeom>
-        </p:spPr>
-        <p:txBody>
-          <a:bodyPr spcFirstLastPara="1" wrap="square" lIns="91425" tIns="91425" rIns="91425" bIns="91425" anchor="t" anchorCtr="0">
-            <a:noAutofit/>
-          </a:bodyPr>
-          <a:lstStyle/>
-          <a:p>
-            <a:pPr marL="0" lvl="0" indent="0" algn="l" rtl="0">
-              <a:spcBef>
-                <a:spcPts val="0"/>
-              </a:spcBef>
-              <a:spcAft>
-                <a:spcPts val="0"/>
-              </a:spcAft>
-              <a:buNone/>
-            </a:pPr>
-            <a:r>
-              <a:rPr lang="en"/>
-              <a:t>Information on the paper</a:t>
-            </a:r>
-            <a:endParaRPr dirty="0"/>
-          </a:p>
-        </p:txBody>
-      </p:sp>
-      <p:sp>
-        <p:nvSpPr>
-          <p:cNvPr id="147" name="Google Shape;147;p15"/>
-          <p:cNvSpPr txBox="1">
-            <a:spLocks noGrp="1"/>
-          </p:cNvSpPr>
-          <p:nvPr>
-            <p:ph type="body" idx="1"/>
-          </p:nvPr>
-        </p:nvSpPr>
-        <p:spPr>
-          <a:xfrm>
-            <a:off x="1297500" y="1567550"/>
-            <a:ext cx="7038900" cy="2911200"/>
-          </a:xfrm>
-          <a:prstGeom prst="rect">
-            <a:avLst/>
-          </a:prstGeom>
-        </p:spPr>
-        <p:txBody>
-          <a:bodyPr spcFirstLastPara="1" wrap="square" lIns="91425" tIns="91425" rIns="91425" bIns="91425" anchor="t" anchorCtr="0">
-            <a:noAutofit/>
-          </a:bodyPr>
-          <a:lstStyle/>
-          <a:p>
-            <a:pPr marL="457200" lvl="0" indent="-317500" algn="l" rtl="0">
-              <a:spcBef>
-                <a:spcPts val="0"/>
-              </a:spcBef>
-              <a:spcAft>
-                <a:spcPts val="0"/>
-              </a:spcAft>
-              <a:buSzPts val="1400"/>
-              <a:buChar char="●"/>
-            </a:pPr>
-            <a:r>
-              <a:rPr lang="en" sz="1400"/>
-              <a:t>Authors: Petros Drineas, Anastasios Zouzias</a:t>
-            </a:r>
-            <a:endParaRPr sz="1400" dirty="0"/>
-          </a:p>
-          <a:p>
-            <a:pPr marL="457200" lvl="0" indent="0" algn="l" rtl="0">
-              <a:spcBef>
-                <a:spcPts val="1600"/>
-              </a:spcBef>
-              <a:spcAft>
-                <a:spcPts val="0"/>
-              </a:spcAft>
-              <a:buNone/>
-            </a:pPr>
-            <a:endParaRPr sz="1400" dirty="0"/>
-          </a:p>
-          <a:p>
-            <a:pPr marL="457200" lvl="0" indent="-317500" algn="l" rtl="0">
-              <a:spcBef>
-                <a:spcPts val="1600"/>
-              </a:spcBef>
-              <a:spcAft>
-                <a:spcPts val="0"/>
-              </a:spcAft>
-              <a:buSzPts val="1400"/>
-              <a:buChar char="●"/>
-            </a:pPr>
-            <a:r>
-              <a:rPr lang="en" sz="1400"/>
-              <a:t>Published: March 15th, 2011</a:t>
-            </a:r>
-            <a:endParaRPr sz="1400" dirty="0"/>
-          </a:p>
-          <a:p>
-            <a:pPr marL="457200" lvl="0" indent="0" algn="l" rtl="0">
-              <a:spcBef>
-                <a:spcPts val="1600"/>
-              </a:spcBef>
-              <a:spcAft>
-                <a:spcPts val="0"/>
-              </a:spcAft>
-              <a:buNone/>
-            </a:pPr>
-            <a:endParaRPr sz="1400" dirty="0"/>
-          </a:p>
-          <a:p>
-            <a:pPr marL="457200" lvl="0" indent="-317500" algn="l" rtl="0">
-              <a:spcBef>
-                <a:spcPts val="1600"/>
-              </a:spcBef>
-              <a:spcAft>
-                <a:spcPts val="0"/>
-              </a:spcAft>
-              <a:buSzPts val="1400"/>
-              <a:buChar char="●"/>
-            </a:pPr>
-            <a:r>
-              <a:rPr lang="en" sz="1400"/>
-              <a:t>Venue of publication: Information Processing Letters</a:t>
-            </a:r>
-            <a:endParaRPr sz="1400" dirty="0"/>
-          </a:p>
-          <a:p>
-            <a:pPr marL="0" lvl="0" indent="0" algn="l" rtl="0">
-              <a:spcBef>
-                <a:spcPts val="1600"/>
-              </a:spcBef>
-              <a:spcAft>
-                <a:spcPts val="0"/>
-              </a:spcAft>
-              <a:buNone/>
-            </a:pPr>
-            <a:endParaRPr dirty="0"/>
-          </a:p>
-          <a:p>
-            <a:pPr marL="0" lvl="0" indent="0" algn="l" rtl="0">
-              <a:spcBef>
-                <a:spcPts val="1600"/>
-              </a:spcBef>
-              <a:spcAft>
-                <a:spcPts val="1600"/>
-              </a:spcAft>
-              <a:buNone/>
-            </a:pPr>
-            <a:endParaRPr dirty="0"/>
           </a:p>
         </p:txBody>
       </p:sp>
@@ -17915,8 +18230,8 @@
           </a:p>
         </p:txBody>
       </p:sp>
-      <mc:AlternateContent xmlns:mc="http://schemas.openxmlformats.org/markup-compatibility/2006">
-        <mc:Choice xmlns:a14="http://schemas.microsoft.com/office/drawing/2010/main" Requires="a14">
+      <mc:AlternateContent xmlns:mc="http://schemas.openxmlformats.org/markup-compatibility/2006" xmlns:a14="http://schemas.microsoft.com/office/drawing/2010/main">
+        <mc:Choice Requires="a14">
           <p:sp>
             <p:nvSpPr>
               <p:cNvPr id="159" name="Google Shape;159;p17"/>
@@ -18072,7 +18387,7 @@
             </p:txBody>
           </p:sp>
         </mc:Choice>
-        <mc:Fallback>
+        <mc:Fallback xmlns="">
           <p:sp>
             <p:nvSpPr>
               <p:cNvPr id="159" name="Google Shape;159;p17"/>
@@ -18353,178 +18668,142 @@
                   <a:buNone/>
                 </a:pPr>
                 <a14:m>
-                  <m:oMath xmlns:m="http://schemas.openxmlformats.org/officeDocument/2006/math">
-                    <m:f>
-                      <m:fPr>
-                        <m:ctrlPr>
-                          <a:rPr lang="el-GR" sz="1800" i="1" smtClean="0">
-                            <a:latin typeface="Cambria Math" panose="02040503050406030204" pitchFamily="18" charset="0"/>
-                          </a:rPr>
-                        </m:ctrlPr>
-                      </m:fPr>
-                      <m:num>
-                        <m:sSub>
-                          <m:sSubPr>
-                            <m:ctrlPr>
-                              <a:rPr lang="en-US" sz="1800" i="1">
-                                <a:latin typeface="Cambria Math" panose="02040503050406030204" pitchFamily="18" charset="0"/>
-                              </a:rPr>
-                            </m:ctrlPr>
-                          </m:sSubPr>
-                          <m:e>
-                            <m:d>
-                              <m:dPr>
-                                <m:begChr m:val="‖"/>
-                                <m:endChr m:val="‖"/>
-                                <m:ctrlPr>
-                                  <a:rPr lang="en-US" sz="1800" i="1">
-                                    <a:latin typeface="Cambria Math" panose="02040503050406030204" pitchFamily="18" charset="0"/>
-                                  </a:rPr>
-                                </m:ctrlPr>
-                              </m:dPr>
-                              <m:e>
-                                <m:r>
-                                  <a:rPr lang="en-US" sz="1800" i="1">
-                                    <a:latin typeface="Cambria Math" panose="02040503050406030204" pitchFamily="18" charset="0"/>
-                                  </a:rPr>
-                                  <m:t>𝐴</m:t>
-                                </m:r>
-                                <m:r>
-                                  <a:rPr lang="en-US" sz="1800" i="1">
-                                    <a:latin typeface="Cambria Math" panose="02040503050406030204" pitchFamily="18" charset="0"/>
-                                  </a:rPr>
-                                  <m:t>−</m:t>
-                                </m:r>
-                                <m:acc>
-                                  <m:accPr>
-                                    <m:chr m:val="̃"/>
-                                    <m:ctrlPr>
-                                      <a:rPr lang="en-US" sz="1800" i="1">
-                                        <a:latin typeface="Cambria Math" panose="02040503050406030204" pitchFamily="18" charset="0"/>
-                                      </a:rPr>
-                                    </m:ctrlPr>
-                                  </m:accPr>
-                                  <m:e>
-                                    <m:r>
-                                      <a:rPr lang="en-US" sz="1800" i="1">
-                                        <a:latin typeface="Cambria Math" panose="02040503050406030204" pitchFamily="18" charset="0"/>
-                                      </a:rPr>
-                                      <m:t>𝐴</m:t>
-                                    </m:r>
-                                  </m:e>
-                                </m:acc>
-                              </m:e>
-                            </m:d>
-                          </m:e>
-                          <m:sub>
-                            <m:r>
-                              <a:rPr lang="en-US" sz="1800" i="1">
-                                <a:latin typeface="Cambria Math" panose="02040503050406030204" pitchFamily="18" charset="0"/>
-                              </a:rPr>
-                              <m:t>2</m:t>
-                            </m:r>
-                          </m:sub>
-                        </m:sSub>
-                      </m:num>
-                      <m:den>
-                        <m:sSub>
-                          <m:sSubPr>
-                            <m:ctrlPr>
-                              <a:rPr lang="en-US" sz="1800" i="1">
-                                <a:latin typeface="Cambria Math" panose="02040503050406030204" pitchFamily="18" charset="0"/>
-                              </a:rPr>
-                            </m:ctrlPr>
-                          </m:sSubPr>
-                          <m:e>
-                            <m:d>
-                              <m:dPr>
-                                <m:begChr m:val="‖"/>
-                                <m:endChr m:val="‖"/>
-                                <m:ctrlPr>
-                                  <a:rPr lang="en-US" sz="1800" i="1">
-                                    <a:latin typeface="Cambria Math" panose="02040503050406030204" pitchFamily="18" charset="0"/>
-                                  </a:rPr>
-                                </m:ctrlPr>
-                              </m:dPr>
-                              <m:e>
-                                <m:r>
-                                  <a:rPr lang="en-US" sz="1800" i="1">
-                                    <a:latin typeface="Cambria Math" panose="02040503050406030204" pitchFamily="18" charset="0"/>
-                                  </a:rPr>
-                                  <m:t>𝐴</m:t>
-                                </m:r>
-                              </m:e>
-                            </m:d>
-                          </m:e>
-                          <m:sub>
-                            <m:r>
-                              <a:rPr lang="en-US" sz="1800" i="1">
-                                <a:latin typeface="Cambria Math" panose="02040503050406030204" pitchFamily="18" charset="0"/>
-                              </a:rPr>
-                              <m:t>2</m:t>
-                            </m:r>
-                          </m:sub>
-                        </m:sSub>
-                      </m:den>
-                    </m:f>
-                    <m:r>
-                      <a:rPr lang="el-GR" sz="1800" i="1" smtClean="0">
-                        <a:latin typeface="Cambria Math" panose="02040503050406030204" pitchFamily="18" charset="0"/>
-                        <a:ea typeface="Cambria Math" panose="02040503050406030204" pitchFamily="18" charset="0"/>
-                      </a:rPr>
-                      <m:t>≤</m:t>
-                    </m:r>
-                    <m:r>
-                      <a:rPr lang="el-GR" sz="1800" i="1" smtClean="0">
-                        <a:latin typeface="Cambria Math" panose="02040503050406030204" pitchFamily="18" charset="0"/>
-                        <a:ea typeface="Cambria Math" panose="02040503050406030204" pitchFamily="18" charset="0"/>
-                      </a:rPr>
-                      <m:t>𝜀</m:t>
-                    </m:r>
-                    <m:sSub>
-                      <m:sSubPr>
-                        <m:ctrlPr>
-                          <a:rPr lang="en-US" sz="1800" i="1">
-                            <a:latin typeface="Cambria Math" panose="02040503050406030204" pitchFamily="18" charset="0"/>
-                          </a:rPr>
-                        </m:ctrlPr>
-                      </m:sSubPr>
-                      <m:e>
-                        <m:d>
-                          <m:dPr>
-                            <m:begChr m:val="‖"/>
-                            <m:endChr m:val="‖"/>
-                            <m:ctrlPr>
-                              <a:rPr lang="en-US" sz="1800" i="1" smtClean="0">
-                                <a:latin typeface="Cambria Math" panose="02040503050406030204" pitchFamily="18" charset="0"/>
-                              </a:rPr>
-                            </m:ctrlPr>
-                          </m:dPr>
-                          <m:e>
-                            <m:r>
-                              <a:rPr lang="en-US" sz="1800" i="1">
-                                <a:latin typeface="Cambria Math" panose="02040503050406030204" pitchFamily="18" charset="0"/>
-                              </a:rPr>
-                              <m:t>𝐴</m:t>
-                            </m:r>
-                          </m:e>
-                        </m:d>
-                      </m:e>
-                      <m:sub>
-                        <m:r>
-                          <a:rPr lang="en-US" sz="1800" i="1">
-                            <a:latin typeface="Cambria Math" panose="02040503050406030204" pitchFamily="18" charset="0"/>
-                          </a:rPr>
-                          <m:t>2</m:t>
-                        </m:r>
-                      </m:sub>
-                    </m:sSub>
-                  </m:oMath>
+                  <m:oMathPara xmlns:m="http://schemas.openxmlformats.org/officeDocument/2006/math">
+                    <m:oMathParaPr>
+                      <m:jc m:val="left"/>
+                    </m:oMathParaPr>
+                    <m:oMath xmlns:m="http://schemas.openxmlformats.org/officeDocument/2006/math">
+                      <m:f>
+                        <m:fPr>
+                          <m:ctrlPr>
+                            <a:rPr lang="el-GR" sz="1800" i="1" smtClean="0">
+                              <a:latin typeface="Cambria Math" panose="02040503050406030204" pitchFamily="18" charset="0"/>
+                            </a:rPr>
+                          </m:ctrlPr>
+                        </m:fPr>
+                        <m:num>
+                          <m:sSub>
+                            <m:sSubPr>
+                              <m:ctrlPr>
+                                <a:rPr lang="en-US" sz="1800" i="1">
+                                  <a:latin typeface="Cambria Math" panose="02040503050406030204" pitchFamily="18" charset="0"/>
+                                </a:rPr>
+                              </m:ctrlPr>
+                            </m:sSubPr>
+                            <m:e>
+                              <m:d>
+                                <m:dPr>
+                                  <m:begChr m:val="‖"/>
+                                  <m:endChr m:val="‖"/>
+                                  <m:ctrlPr>
+                                    <a:rPr lang="en-US" sz="1800" i="1">
+                                      <a:latin typeface="Cambria Math" panose="02040503050406030204" pitchFamily="18" charset="0"/>
+                                    </a:rPr>
+                                  </m:ctrlPr>
+                                </m:dPr>
+                                <m:e>
+                                  <m:r>
+                                    <a:rPr lang="en-US" sz="1800" i="1">
+                                      <a:latin typeface="Cambria Math" panose="02040503050406030204" pitchFamily="18" charset="0"/>
+                                    </a:rPr>
+                                    <m:t>𝐴</m:t>
+                                  </m:r>
+                                  <m:r>
+                                    <a:rPr lang="en-US" sz="1800" i="1">
+                                      <a:latin typeface="Cambria Math" panose="02040503050406030204" pitchFamily="18" charset="0"/>
+                                    </a:rPr>
+                                    <m:t>−</m:t>
+                                  </m:r>
+                                  <m:acc>
+                                    <m:accPr>
+                                      <m:chr m:val="̃"/>
+                                      <m:ctrlPr>
+                                        <a:rPr lang="en-US" sz="1800" i="1">
+                                          <a:latin typeface="Cambria Math" panose="02040503050406030204" pitchFamily="18" charset="0"/>
+                                        </a:rPr>
+                                      </m:ctrlPr>
+                                    </m:accPr>
+                                    <m:e>
+                                      <m:r>
+                                        <a:rPr lang="en-US" sz="1800" i="1">
+                                          <a:latin typeface="Cambria Math" panose="02040503050406030204" pitchFamily="18" charset="0"/>
+                                        </a:rPr>
+                                        <m:t>𝐴</m:t>
+                                      </m:r>
+                                    </m:e>
+                                  </m:acc>
+                                </m:e>
+                              </m:d>
+                            </m:e>
+                            <m:sub>
+                              <m:r>
+                                <a:rPr lang="en-US" sz="1800" i="1">
+                                  <a:latin typeface="Cambria Math" panose="02040503050406030204" pitchFamily="18" charset="0"/>
+                                </a:rPr>
+                                <m:t>2</m:t>
+                              </m:r>
+                            </m:sub>
+                          </m:sSub>
+                        </m:num>
+                        <m:den>
+                          <m:sSub>
+                            <m:sSubPr>
+                              <m:ctrlPr>
+                                <a:rPr lang="en-US" sz="1800" i="1">
+                                  <a:latin typeface="Cambria Math" panose="02040503050406030204" pitchFamily="18" charset="0"/>
+                                </a:rPr>
+                              </m:ctrlPr>
+                            </m:sSubPr>
+                            <m:e>
+                              <m:d>
+                                <m:dPr>
+                                  <m:begChr m:val="‖"/>
+                                  <m:endChr m:val="‖"/>
+                                  <m:ctrlPr>
+                                    <a:rPr lang="en-US" sz="1800" i="1">
+                                      <a:latin typeface="Cambria Math" panose="02040503050406030204" pitchFamily="18" charset="0"/>
+                                    </a:rPr>
+                                  </m:ctrlPr>
+                                </m:dPr>
+                                <m:e>
+                                  <m:r>
+                                    <a:rPr lang="en-US" sz="1800" i="1">
+                                      <a:latin typeface="Cambria Math" panose="02040503050406030204" pitchFamily="18" charset="0"/>
+                                    </a:rPr>
+                                    <m:t>𝐴</m:t>
+                                  </m:r>
+                                </m:e>
+                              </m:d>
+                            </m:e>
+                            <m:sub>
+                              <m:r>
+                                <a:rPr lang="en-US" sz="1800" i="1">
+                                  <a:latin typeface="Cambria Math" panose="02040503050406030204" pitchFamily="18" charset="0"/>
+                                </a:rPr>
+                                <m:t>2</m:t>
+                              </m:r>
+                            </m:sub>
+                          </m:sSub>
+                        </m:den>
+                      </m:f>
+                      <m:r>
+                        <a:rPr lang="el-GR" sz="1800" i="1" smtClean="0">
+                          <a:latin typeface="Cambria Math" panose="02040503050406030204" pitchFamily="18" charset="0"/>
+                          <a:ea typeface="Cambria Math" panose="02040503050406030204" pitchFamily="18" charset="0"/>
+                        </a:rPr>
+                        <m:t>≤</m:t>
+                      </m:r>
+                      <m:r>
+                        <a:rPr lang="el-GR" sz="1800" i="1" smtClean="0">
+                          <a:latin typeface="Cambria Math" panose="02040503050406030204" pitchFamily="18" charset="0"/>
+                          <a:ea typeface="Cambria Math" panose="02040503050406030204" pitchFamily="18" charset="0"/>
+                        </a:rPr>
+                        <m:t>𝜀</m:t>
+                      </m:r>
+                    </m:oMath>
+                  </m:oMathPara>
                 </a14:m>
-                <a:r>
-                  <a:rPr lang="en-US" sz="1800" dirty="0"/>
-                  <a:t> </a:t>
-                </a:r>
+                <a:endParaRPr lang="en-US" sz="1800" dirty="0"/>
               </a:p>
             </p:txBody>
           </p:sp>
@@ -18704,8 +18983,8 @@
           </a:p>
         </p:txBody>
       </p:sp>
-      <mc:AlternateContent xmlns:mc="http://schemas.openxmlformats.org/markup-compatibility/2006">
-        <mc:Choice xmlns:a14="http://schemas.microsoft.com/office/drawing/2010/main" Requires="a14">
+      <mc:AlternateContent xmlns:mc="http://schemas.openxmlformats.org/markup-compatibility/2006" xmlns:a14="http://schemas.microsoft.com/office/drawing/2010/main">
+        <mc:Choice Requires="a14">
           <p:sp>
             <p:nvSpPr>
               <p:cNvPr id="176" name="Google Shape;176;p20"/>
@@ -19172,7 +19451,7 @@
             </p:txBody>
           </p:sp>
         </mc:Choice>
-        <mc:Fallback>
+        <mc:Fallback xmlns="">
           <p:sp>
             <p:nvSpPr>
               <p:cNvPr id="176" name="Google Shape;176;p20"/>
@@ -19584,14 +19863,22 @@
             </a:pPr>
             <a:r>
               <a:rPr lang="en" dirty="0"/>
-              <a:t>Idea: Remove relatively small elements so that when the sparse matrix is constructed, small values aren’t rescaled to be large, skewing the variance of the sparse matrix</a:t>
+              <a:t>Idea: Remove relatively small elements so that </a:t>
+            </a:r>
+            <a:r>
+              <a:rPr lang="en-US" dirty="0"/>
+              <a:t>these values will not be sampled. During the construction of the sparse matrix, these values would be scaled up greatly, which would </a:t>
+            </a:r>
+            <a:r>
+              <a:rPr lang="en" dirty="0"/>
+              <a:t>skew the variance of the sparse matrix</a:t>
             </a:r>
             <a:endParaRPr sz="1400" dirty="0"/>
           </a:p>
         </p:txBody>
       </p:sp>
-      <mc:AlternateContent xmlns:mc="http://schemas.openxmlformats.org/markup-compatibility/2006">
-        <mc:Choice xmlns:a14="http://schemas.microsoft.com/office/drawing/2010/main" Requires="a14">
+      <mc:AlternateContent xmlns:mc="http://schemas.openxmlformats.org/markup-compatibility/2006" xmlns:a14="http://schemas.microsoft.com/office/drawing/2010/main">
+        <mc:Choice Requires="a14">
           <p:sp>
             <p:nvSpPr>
               <p:cNvPr id="190" name="Google Shape;190;p21"/>
@@ -20254,7 +20541,7 @@
             </p:txBody>
           </p:sp>
         </mc:Choice>
-        <mc:Fallback>
+        <mc:Fallback xmlns="">
           <p:sp>
             <p:nvSpPr>
               <p:cNvPr id="190" name="Google Shape;190;p21"/>
@@ -20331,29 +20618,25 @@
             </a:pPr>
             <a:r>
               <a:rPr lang="en" dirty="0"/>
-              <a:t>Since we remove values smaller than </a:t>
+              <a:t>Since we remove values smaller than ε||A||</a:t>
             </a:r>
             <a:r>
-              <a:rPr lang="en" sz="1400" dirty="0"/>
-              <a:t>ε||A||</a:t>
-            </a:r>
-            <a:r>
-              <a:rPr lang="en" sz="1400" baseline="-25000" dirty="0"/>
+              <a:rPr lang="en" baseline="-25000" dirty="0"/>
               <a:t>2</a:t>
             </a:r>
             <a:r>
-              <a:rPr lang="en" sz="1400" dirty="0"/>
+              <a:rPr lang="en" dirty="0"/>
               <a:t>/2n, the greatest difference between an element in A and Â is ε||A||</a:t>
             </a:r>
             <a:r>
-              <a:rPr lang="en" sz="1400" baseline="-25000" dirty="0"/>
+              <a:rPr lang="en" baseline="-25000" dirty="0"/>
               <a:t>2</a:t>
             </a:r>
             <a:r>
-              <a:rPr lang="en" sz="1400" dirty="0"/>
+              <a:rPr lang="en" dirty="0"/>
               <a:t>/2n</a:t>
             </a:r>
-            <a:endParaRPr sz="1400" dirty="0"/>
+            <a:endParaRPr dirty="0"/>
           </a:p>
         </p:txBody>
       </p:sp>
@@ -20501,8 +20784,8 @@
           </a:p>
         </p:txBody>
       </p:sp>
-      <mc:AlternateContent xmlns:mc="http://schemas.openxmlformats.org/markup-compatibility/2006">
-        <mc:Choice xmlns:a14="http://schemas.microsoft.com/office/drawing/2010/main" Requires="a14">
+      <mc:AlternateContent xmlns:mc="http://schemas.openxmlformats.org/markup-compatibility/2006" xmlns:a14="http://schemas.microsoft.com/office/drawing/2010/main">
+        <mc:Choice Requires="a14">
           <p:sp>
             <p:nvSpPr>
               <p:cNvPr id="5" name="Google Shape;214;p23">
@@ -20926,7 +21209,7 @@
             </p:txBody>
           </p:sp>
         </mc:Choice>
-        <mc:Fallback>
+        <mc:Fallback xmlns="">
           <p:sp>
             <p:nvSpPr>
               <p:cNvPr id="5" name="Google Shape;214;p23">
@@ -21267,8 +21550,8 @@
           </a:p>
         </p:txBody>
       </p:sp>
-      <mc:AlternateContent xmlns:mc="http://schemas.openxmlformats.org/markup-compatibility/2006">
-        <mc:Choice xmlns:a14="http://schemas.microsoft.com/office/drawing/2010/main" Requires="a14">
+      <mc:AlternateContent xmlns:mc="http://schemas.openxmlformats.org/markup-compatibility/2006" xmlns:a14="http://schemas.microsoft.com/office/drawing/2010/main">
+        <mc:Choice Requires="a14">
           <p:sp>
             <p:nvSpPr>
               <p:cNvPr id="9" name="Google Shape;214;p23">
@@ -22058,7 +22341,7 @@
             </p:txBody>
           </p:sp>
         </mc:Choice>
-        <mc:Fallback>
+        <mc:Fallback xmlns="">
           <p:sp>
             <p:nvSpPr>
               <p:cNvPr id="9" name="Google Shape;214;p23">
